--- a/Daffodil International Professional Training Institute.pptx
+++ b/Daffodil International Professional Training Institute.pptx
@@ -137,6 +137,22 @@
       </a:defRPr>
     </a:lvl9pPr>
   </p:defaultTextStyle>
+  <p:extLst>
+    <p:ext uri="{EFAFB233-063F-42B5-8137-9DF3F51BA10A}">
+      <p15:sldGuideLst xmlns:p15="http://schemas.microsoft.com/office/powerpoint/2012/main">
+        <p15:guide id="1" orient="horz" pos="2160">
+          <p15:clr>
+            <a:srgbClr val="A4A3A4"/>
+          </p15:clr>
+        </p15:guide>
+        <p15:guide id="2" pos="2880">
+          <p15:clr>
+            <a:srgbClr val="A4A3A4"/>
+          </p15:clr>
+        </p15:guide>
+      </p15:sldGuideLst>
+    </p:ext>
+  </p:extLst>
 </p:presentation>
 </file>
 
@@ -436,10 +452,9 @@
           </a:lstStyle>
           <a:p>
             <a:r>
-              <a:rPr kumimoji="0" lang="en-US" smtClean="0"/>
+              <a:rPr kumimoji="0" lang="en-US"/>
               <a:t>Click to edit Master title style</a:t>
             </a:r>
-            <a:endParaRPr kumimoji="0" lang="en-US"/>
           </a:p>
         </p:txBody>
       </p:sp>
@@ -500,10 +515,9 @@
           </a:lstStyle>
           <a:p>
             <a:r>
-              <a:rPr kumimoji="0" lang="en-US" smtClean="0"/>
+              <a:rPr kumimoji="0" lang="en-US"/>
               <a:t>Click to edit Master subtitle style</a:t>
             </a:r>
-            <a:endParaRPr kumimoji="0" lang="en-US"/>
           </a:p>
         </p:txBody>
       </p:sp>
@@ -524,7 +538,7 @@
           <a:p>
             <a:fld id="{BBDC7C13-7F5F-47A2-AFA0-B020E48F140F}" type="datetimeFigureOut">
               <a:rPr lang="en-US" smtClean="0"/>
-              <a:t>4/2/2022</a:t>
+              <a:t>8/6/2022</a:t>
             </a:fld>
             <a:endParaRPr lang="en-US"/>
           </a:p>
@@ -613,10 +627,9 @@
           <a:lstStyle/>
           <a:p>
             <a:r>
-              <a:rPr kumimoji="0" lang="en-US" smtClean="0"/>
+              <a:rPr kumimoji="0" lang="en-US"/>
               <a:t>Click to edit Master title style</a:t>
             </a:r>
-            <a:endParaRPr kumimoji="0" lang="en-US"/>
           </a:p>
         </p:txBody>
       </p:sp>
@@ -637,35 +650,35 @@
           <a:p>
             <a:pPr lvl="0" eaLnBrk="1" latinLnBrk="0" hangingPunct="1"/>
             <a:r>
-              <a:rPr lang="en-US" smtClean="0"/>
+              <a:rPr lang="en-US"/>
               <a:t>Click to edit Master text styles</a:t>
             </a:r>
           </a:p>
           <a:p>
             <a:pPr lvl="1" eaLnBrk="1" latinLnBrk="0" hangingPunct="1"/>
             <a:r>
-              <a:rPr lang="en-US" smtClean="0"/>
+              <a:rPr lang="en-US"/>
               <a:t>Second level</a:t>
             </a:r>
           </a:p>
           <a:p>
             <a:pPr lvl="2" eaLnBrk="1" latinLnBrk="0" hangingPunct="1"/>
             <a:r>
-              <a:rPr lang="en-US" smtClean="0"/>
+              <a:rPr lang="en-US"/>
               <a:t>Third level</a:t>
             </a:r>
           </a:p>
           <a:p>
             <a:pPr lvl="3" eaLnBrk="1" latinLnBrk="0" hangingPunct="1"/>
             <a:r>
-              <a:rPr lang="en-US" smtClean="0"/>
+              <a:rPr lang="en-US"/>
               <a:t>Fourth level</a:t>
             </a:r>
           </a:p>
           <a:p>
             <a:pPr lvl="4" eaLnBrk="1" latinLnBrk="0" hangingPunct="1"/>
             <a:r>
-              <a:rPr lang="en-US" smtClean="0"/>
+              <a:rPr lang="en-US"/>
               <a:t>Fifth level</a:t>
             </a:r>
             <a:endParaRPr kumimoji="0" lang="en-US"/>
@@ -689,7 +702,7 @@
           <a:p>
             <a:fld id="{BBDC7C13-7F5F-47A2-AFA0-B020E48F140F}" type="datetimeFigureOut">
               <a:rPr lang="en-US" smtClean="0"/>
-              <a:t>4/2/2022</a:t>
+              <a:t>8/6/2022</a:t>
             </a:fld>
             <a:endParaRPr lang="en-US"/>
           </a:p>
@@ -783,10 +796,9 @@
           <a:lstStyle/>
           <a:p>
             <a:r>
-              <a:rPr kumimoji="0" lang="en-US" smtClean="0"/>
+              <a:rPr kumimoji="0" lang="en-US"/>
               <a:t>Click to edit Master title style</a:t>
             </a:r>
-            <a:endParaRPr kumimoji="0" lang="en-US"/>
           </a:p>
         </p:txBody>
       </p:sp>
@@ -812,35 +824,35 @@
           <a:p>
             <a:pPr lvl="0" eaLnBrk="1" latinLnBrk="0" hangingPunct="1"/>
             <a:r>
-              <a:rPr lang="en-US" smtClean="0"/>
+              <a:rPr lang="en-US"/>
               <a:t>Click to edit Master text styles</a:t>
             </a:r>
           </a:p>
           <a:p>
             <a:pPr lvl="1" eaLnBrk="1" latinLnBrk="0" hangingPunct="1"/>
             <a:r>
-              <a:rPr lang="en-US" smtClean="0"/>
+              <a:rPr lang="en-US"/>
               <a:t>Second level</a:t>
             </a:r>
           </a:p>
           <a:p>
             <a:pPr lvl="2" eaLnBrk="1" latinLnBrk="0" hangingPunct="1"/>
             <a:r>
-              <a:rPr lang="en-US" smtClean="0"/>
+              <a:rPr lang="en-US"/>
               <a:t>Third level</a:t>
             </a:r>
           </a:p>
           <a:p>
             <a:pPr lvl="3" eaLnBrk="1" latinLnBrk="0" hangingPunct="1"/>
             <a:r>
-              <a:rPr lang="en-US" smtClean="0"/>
+              <a:rPr lang="en-US"/>
               <a:t>Fourth level</a:t>
             </a:r>
           </a:p>
           <a:p>
             <a:pPr lvl="4" eaLnBrk="1" latinLnBrk="0" hangingPunct="1"/>
             <a:r>
-              <a:rPr lang="en-US" smtClean="0"/>
+              <a:rPr lang="en-US"/>
               <a:t>Fifth level</a:t>
             </a:r>
             <a:endParaRPr kumimoji="0" lang="en-US"/>
@@ -864,7 +876,7 @@
           <a:p>
             <a:fld id="{BBDC7C13-7F5F-47A2-AFA0-B020E48F140F}" type="datetimeFigureOut">
               <a:rPr lang="en-US" smtClean="0"/>
-              <a:t>4/2/2022</a:t>
+              <a:t>8/6/2022</a:t>
             </a:fld>
             <a:endParaRPr lang="en-US"/>
           </a:p>
@@ -957,10 +969,9 @@
           </a:lstStyle>
           <a:p>
             <a:r>
-              <a:rPr kumimoji="0" lang="en-US" smtClean="0"/>
+              <a:rPr kumimoji="0" lang="en-US"/>
               <a:t>Click to edit Master title style</a:t>
             </a:r>
-            <a:endParaRPr kumimoji="0" lang="en-US"/>
           </a:p>
         </p:txBody>
       </p:sp>
@@ -981,35 +992,35 @@
           <a:p>
             <a:pPr lvl="0" eaLnBrk="1" latinLnBrk="0" hangingPunct="1"/>
             <a:r>
-              <a:rPr lang="en-US" smtClean="0"/>
+              <a:rPr lang="en-US"/>
               <a:t>Click to edit Master text styles</a:t>
             </a:r>
           </a:p>
           <a:p>
             <a:pPr lvl="1" eaLnBrk="1" latinLnBrk="0" hangingPunct="1"/>
             <a:r>
-              <a:rPr lang="en-US" smtClean="0"/>
+              <a:rPr lang="en-US"/>
               <a:t>Second level</a:t>
             </a:r>
           </a:p>
           <a:p>
             <a:pPr lvl="2" eaLnBrk="1" latinLnBrk="0" hangingPunct="1"/>
             <a:r>
-              <a:rPr lang="en-US" smtClean="0"/>
+              <a:rPr lang="en-US"/>
               <a:t>Third level</a:t>
             </a:r>
           </a:p>
           <a:p>
             <a:pPr lvl="3" eaLnBrk="1" latinLnBrk="0" hangingPunct="1"/>
             <a:r>
-              <a:rPr lang="en-US" smtClean="0"/>
+              <a:rPr lang="en-US"/>
               <a:t>Fourth level</a:t>
             </a:r>
           </a:p>
           <a:p>
             <a:pPr lvl="4" eaLnBrk="1" latinLnBrk="0" hangingPunct="1"/>
             <a:r>
-              <a:rPr lang="en-US" smtClean="0"/>
+              <a:rPr lang="en-US"/>
               <a:t>Fifth level</a:t>
             </a:r>
             <a:endParaRPr kumimoji="0" lang="en-US"/>
@@ -1033,7 +1044,7 @@
           <a:p>
             <a:fld id="{BBDC7C13-7F5F-47A2-AFA0-B020E48F140F}" type="datetimeFigureOut">
               <a:rPr lang="en-US" smtClean="0"/>
-              <a:t>4/2/2022</a:t>
+              <a:t>8/6/2022</a:t>
             </a:fld>
             <a:endParaRPr lang="en-US"/>
           </a:p>
@@ -1386,10 +1397,9 @@
           </a:lstStyle>
           <a:p>
             <a:r>
-              <a:rPr kumimoji="0" lang="en-US" smtClean="0"/>
+              <a:rPr kumimoji="0" lang="en-US"/>
               <a:t>Click to edit Master title style</a:t>
             </a:r>
-            <a:endParaRPr kumimoji="0" lang="en-US"/>
           </a:p>
         </p:txBody>
       </p:sp>
@@ -1465,7 +1475,7 @@
           <a:p>
             <a:pPr lvl="0" eaLnBrk="1" latinLnBrk="0" hangingPunct="1"/>
             <a:r>
-              <a:rPr kumimoji="0" lang="en-US" smtClean="0"/>
+              <a:rPr kumimoji="0" lang="en-US"/>
               <a:t>Click to edit Master text styles</a:t>
             </a:r>
           </a:p>
@@ -1488,7 +1498,7 @@
           <a:p>
             <a:fld id="{BBDC7C13-7F5F-47A2-AFA0-B020E48F140F}" type="datetimeFigureOut">
               <a:rPr lang="en-US" smtClean="0"/>
-              <a:t>4/2/2022</a:t>
+              <a:t>8/6/2022</a:t>
             </a:fld>
             <a:endParaRPr lang="en-US"/>
           </a:p>
@@ -1582,10 +1592,9 @@
           <a:lstStyle/>
           <a:p>
             <a:r>
-              <a:rPr kumimoji="0" lang="en-US" smtClean="0"/>
+              <a:rPr kumimoji="0" lang="en-US"/>
               <a:t>Click to edit Master title style</a:t>
             </a:r>
-            <a:endParaRPr kumimoji="0" lang="en-US"/>
           </a:p>
         </p:txBody>
       </p:sp>
@@ -1627,35 +1636,35 @@
           <a:p>
             <a:pPr lvl="0" eaLnBrk="1" latinLnBrk="0" hangingPunct="1"/>
             <a:r>
-              <a:rPr lang="en-US" smtClean="0"/>
+              <a:rPr lang="en-US"/>
               <a:t>Click to edit Master text styles</a:t>
             </a:r>
           </a:p>
           <a:p>
             <a:pPr lvl="1" eaLnBrk="1" latinLnBrk="0" hangingPunct="1"/>
             <a:r>
-              <a:rPr lang="en-US" smtClean="0"/>
+              <a:rPr lang="en-US"/>
               <a:t>Second level</a:t>
             </a:r>
           </a:p>
           <a:p>
             <a:pPr lvl="2" eaLnBrk="1" latinLnBrk="0" hangingPunct="1"/>
             <a:r>
-              <a:rPr lang="en-US" smtClean="0"/>
+              <a:rPr lang="en-US"/>
               <a:t>Third level</a:t>
             </a:r>
           </a:p>
           <a:p>
             <a:pPr lvl="3" eaLnBrk="1" latinLnBrk="0" hangingPunct="1"/>
             <a:r>
-              <a:rPr lang="en-US" smtClean="0"/>
+              <a:rPr lang="en-US"/>
               <a:t>Fourth level</a:t>
             </a:r>
           </a:p>
           <a:p>
             <a:pPr lvl="4" eaLnBrk="1" latinLnBrk="0" hangingPunct="1"/>
             <a:r>
-              <a:rPr lang="en-US" smtClean="0"/>
+              <a:rPr lang="en-US"/>
               <a:t>Fifth level</a:t>
             </a:r>
             <a:endParaRPr kumimoji="0" lang="en-US"/>
@@ -1700,35 +1709,35 @@
           <a:p>
             <a:pPr lvl="0" eaLnBrk="1" latinLnBrk="0" hangingPunct="1"/>
             <a:r>
-              <a:rPr lang="en-US" smtClean="0"/>
+              <a:rPr lang="en-US"/>
               <a:t>Click to edit Master text styles</a:t>
             </a:r>
           </a:p>
           <a:p>
             <a:pPr lvl="1" eaLnBrk="1" latinLnBrk="0" hangingPunct="1"/>
             <a:r>
-              <a:rPr lang="en-US" smtClean="0"/>
+              <a:rPr lang="en-US"/>
               <a:t>Second level</a:t>
             </a:r>
           </a:p>
           <a:p>
             <a:pPr lvl="2" eaLnBrk="1" latinLnBrk="0" hangingPunct="1"/>
             <a:r>
-              <a:rPr lang="en-US" smtClean="0"/>
+              <a:rPr lang="en-US"/>
               <a:t>Third level</a:t>
             </a:r>
           </a:p>
           <a:p>
             <a:pPr lvl="3" eaLnBrk="1" latinLnBrk="0" hangingPunct="1"/>
             <a:r>
-              <a:rPr lang="en-US" smtClean="0"/>
+              <a:rPr lang="en-US"/>
               <a:t>Fourth level</a:t>
             </a:r>
           </a:p>
           <a:p>
             <a:pPr lvl="4" eaLnBrk="1" latinLnBrk="0" hangingPunct="1"/>
             <a:r>
-              <a:rPr lang="en-US" smtClean="0"/>
+              <a:rPr lang="en-US"/>
               <a:t>Fifth level</a:t>
             </a:r>
             <a:endParaRPr kumimoji="0" lang="en-US"/>
@@ -1752,7 +1761,7 @@
           <a:p>
             <a:fld id="{BBDC7C13-7F5F-47A2-AFA0-B020E48F140F}" type="datetimeFigureOut">
               <a:rPr lang="en-US" smtClean="0"/>
-              <a:t>4/2/2022</a:t>
+              <a:t>8/6/2022</a:t>
             </a:fld>
             <a:endParaRPr lang="en-US"/>
           </a:p>
@@ -1850,10 +1859,9 @@
           </a:lstStyle>
           <a:p>
             <a:r>
-              <a:rPr kumimoji="0" lang="en-US" smtClean="0"/>
+              <a:rPr kumimoji="0" lang="en-US"/>
               <a:t>Click to edit Master title style</a:t>
             </a:r>
-            <a:endParaRPr kumimoji="0" lang="en-US"/>
           </a:p>
         </p:txBody>
       </p:sp>
@@ -1904,7 +1912,7 @@
           <a:p>
             <a:pPr lvl="0" eaLnBrk="1" latinLnBrk="0" hangingPunct="1"/>
             <a:r>
-              <a:rPr kumimoji="0" lang="en-US" smtClean="0"/>
+              <a:rPr kumimoji="0" lang="en-US"/>
               <a:t>Click to edit Master text styles</a:t>
             </a:r>
           </a:p>
@@ -1957,7 +1965,7 @@
           <a:p>
             <a:pPr lvl="0" eaLnBrk="1" latinLnBrk="0" hangingPunct="1"/>
             <a:r>
-              <a:rPr kumimoji="0" lang="en-US" smtClean="0"/>
+              <a:rPr kumimoji="0" lang="en-US"/>
               <a:t>Click to edit Master text styles</a:t>
             </a:r>
           </a:p>
@@ -2001,35 +2009,35 @@
           <a:p>
             <a:pPr lvl="0" eaLnBrk="1" latinLnBrk="0" hangingPunct="1"/>
             <a:r>
-              <a:rPr lang="en-US" smtClean="0"/>
+              <a:rPr lang="en-US"/>
               <a:t>Click to edit Master text styles</a:t>
             </a:r>
           </a:p>
           <a:p>
             <a:pPr lvl="1" eaLnBrk="1" latinLnBrk="0" hangingPunct="1"/>
             <a:r>
-              <a:rPr lang="en-US" smtClean="0"/>
+              <a:rPr lang="en-US"/>
               <a:t>Second level</a:t>
             </a:r>
           </a:p>
           <a:p>
             <a:pPr lvl="2" eaLnBrk="1" latinLnBrk="0" hangingPunct="1"/>
             <a:r>
-              <a:rPr lang="en-US" smtClean="0"/>
+              <a:rPr lang="en-US"/>
               <a:t>Third level</a:t>
             </a:r>
           </a:p>
           <a:p>
             <a:pPr lvl="3" eaLnBrk="1" latinLnBrk="0" hangingPunct="1"/>
             <a:r>
-              <a:rPr lang="en-US" smtClean="0"/>
+              <a:rPr lang="en-US"/>
               <a:t>Fourth level</a:t>
             </a:r>
           </a:p>
           <a:p>
             <a:pPr lvl="4" eaLnBrk="1" latinLnBrk="0" hangingPunct="1"/>
             <a:r>
-              <a:rPr lang="en-US" smtClean="0"/>
+              <a:rPr lang="en-US"/>
               <a:t>Fifth level</a:t>
             </a:r>
             <a:endParaRPr kumimoji="0" lang="en-US"/>
@@ -2074,35 +2082,35 @@
           <a:p>
             <a:pPr lvl="0" eaLnBrk="1" latinLnBrk="0" hangingPunct="1"/>
             <a:r>
-              <a:rPr lang="en-US" smtClean="0"/>
+              <a:rPr lang="en-US"/>
               <a:t>Click to edit Master text styles</a:t>
             </a:r>
           </a:p>
           <a:p>
             <a:pPr lvl="1" eaLnBrk="1" latinLnBrk="0" hangingPunct="1"/>
             <a:r>
-              <a:rPr lang="en-US" smtClean="0"/>
+              <a:rPr lang="en-US"/>
               <a:t>Second level</a:t>
             </a:r>
           </a:p>
           <a:p>
             <a:pPr lvl="2" eaLnBrk="1" latinLnBrk="0" hangingPunct="1"/>
             <a:r>
-              <a:rPr lang="en-US" smtClean="0"/>
+              <a:rPr lang="en-US"/>
               <a:t>Third level</a:t>
             </a:r>
           </a:p>
           <a:p>
             <a:pPr lvl="3" eaLnBrk="1" latinLnBrk="0" hangingPunct="1"/>
             <a:r>
-              <a:rPr lang="en-US" smtClean="0"/>
+              <a:rPr lang="en-US"/>
               <a:t>Fourth level</a:t>
             </a:r>
           </a:p>
           <a:p>
             <a:pPr lvl="4" eaLnBrk="1" latinLnBrk="0" hangingPunct="1"/>
             <a:r>
-              <a:rPr lang="en-US" smtClean="0"/>
+              <a:rPr lang="en-US"/>
               <a:t>Fifth level</a:t>
             </a:r>
             <a:endParaRPr kumimoji="0" lang="en-US"/>
@@ -2126,7 +2134,7 @@
           <a:p>
             <a:fld id="{BBDC7C13-7F5F-47A2-AFA0-B020E48F140F}" type="datetimeFigureOut">
               <a:rPr lang="en-US" smtClean="0"/>
-              <a:t>4/2/2022</a:t>
+              <a:t>8/6/2022</a:t>
             </a:fld>
             <a:endParaRPr lang="en-US"/>
           </a:p>
@@ -2224,10 +2232,9 @@
           </a:lstStyle>
           <a:p>
             <a:r>
-              <a:rPr kumimoji="0" lang="en-US" smtClean="0"/>
+              <a:rPr kumimoji="0" lang="en-US"/>
               <a:t>Click to edit Master title style</a:t>
             </a:r>
-            <a:endParaRPr kumimoji="0" lang="en-US"/>
           </a:p>
         </p:txBody>
       </p:sp>
@@ -2248,7 +2255,7 @@
           <a:p>
             <a:fld id="{BBDC7C13-7F5F-47A2-AFA0-B020E48F140F}" type="datetimeFigureOut">
               <a:rPr lang="en-US" smtClean="0"/>
-              <a:t>4/2/2022</a:t>
+              <a:t>8/6/2022</a:t>
             </a:fld>
             <a:endParaRPr lang="en-US"/>
           </a:p>
@@ -2338,7 +2345,7 @@
           <a:p>
             <a:fld id="{BBDC7C13-7F5F-47A2-AFA0-B020E48F140F}" type="datetimeFigureOut">
               <a:rPr lang="en-US" smtClean="0"/>
-              <a:t>4/2/2022</a:t>
+              <a:t>8/6/2022</a:t>
             </a:fld>
             <a:endParaRPr lang="en-US"/>
           </a:p>
@@ -2441,10 +2448,9 @@
           </a:lstStyle>
           <a:p>
             <a:r>
-              <a:rPr kumimoji="0" lang="en-US" smtClean="0"/>
+              <a:rPr kumimoji="0" lang="en-US"/>
               <a:t>Click to edit Master title style</a:t>
             </a:r>
-            <a:endParaRPr kumimoji="0" lang="en-US"/>
           </a:p>
         </p:txBody>
       </p:sp>
@@ -2491,7 +2497,7 @@
           <a:p>
             <a:pPr lvl="0" eaLnBrk="1" latinLnBrk="0" hangingPunct="1"/>
             <a:r>
-              <a:rPr kumimoji="0" lang="en-US" smtClean="0"/>
+              <a:rPr kumimoji="0" lang="en-US"/>
               <a:t>Click to edit Master text styles</a:t>
             </a:r>
           </a:p>
@@ -2535,35 +2541,35 @@
           <a:p>
             <a:pPr lvl="0" eaLnBrk="1" latinLnBrk="0" hangingPunct="1"/>
             <a:r>
-              <a:rPr lang="en-US" smtClean="0"/>
+              <a:rPr lang="en-US"/>
               <a:t>Click to edit Master text styles</a:t>
             </a:r>
           </a:p>
           <a:p>
             <a:pPr lvl="1" eaLnBrk="1" latinLnBrk="0" hangingPunct="1"/>
             <a:r>
-              <a:rPr lang="en-US" smtClean="0"/>
+              <a:rPr lang="en-US"/>
               <a:t>Second level</a:t>
             </a:r>
           </a:p>
           <a:p>
             <a:pPr lvl="2" eaLnBrk="1" latinLnBrk="0" hangingPunct="1"/>
             <a:r>
-              <a:rPr lang="en-US" smtClean="0"/>
+              <a:rPr lang="en-US"/>
               <a:t>Third level</a:t>
             </a:r>
           </a:p>
           <a:p>
             <a:pPr lvl="3" eaLnBrk="1" latinLnBrk="0" hangingPunct="1"/>
             <a:r>
-              <a:rPr lang="en-US" smtClean="0"/>
+              <a:rPr lang="en-US"/>
               <a:t>Fourth level</a:t>
             </a:r>
           </a:p>
           <a:p>
             <a:pPr lvl="4" eaLnBrk="1" latinLnBrk="0" hangingPunct="1"/>
             <a:r>
-              <a:rPr lang="en-US" smtClean="0"/>
+              <a:rPr lang="en-US"/>
               <a:t>Fifth level</a:t>
             </a:r>
             <a:endParaRPr kumimoji="0" lang="en-US"/>
@@ -2587,7 +2593,7 @@
           <a:p>
             <a:fld id="{BBDC7C13-7F5F-47A2-AFA0-B020E48F140F}" type="datetimeFigureOut">
               <a:rPr lang="en-US" smtClean="0"/>
-              <a:t>4/2/2022</a:t>
+              <a:t>8/6/2022</a:t>
             </a:fld>
             <a:endParaRPr lang="en-US"/>
           </a:p>
@@ -2695,10 +2701,9 @@
           </a:lstStyle>
           <a:p>
             <a:r>
-              <a:rPr kumimoji="0" lang="en-US" smtClean="0"/>
+              <a:rPr kumimoji="0" lang="en-US"/>
               <a:t>Click to edit Master title style</a:t>
             </a:r>
-            <a:endParaRPr kumimoji="0" lang="en-US"/>
           </a:p>
         </p:txBody>
       </p:sp>
@@ -2763,7 +2768,7 @@
           </a:lstStyle>
           <a:p>
             <a:r>
-              <a:rPr kumimoji="0" lang="en-US" smtClean="0"/>
+              <a:rPr kumimoji="0" lang="en-US"/>
               <a:t>Click icon to add picture</a:t>
             </a:r>
             <a:endParaRPr kumimoji="0" lang="en-US" dirty="0"/>
@@ -2818,7 +2823,7 @@
           <a:p>
             <a:pPr lvl="0" eaLnBrk="1" latinLnBrk="0" hangingPunct="1"/>
             <a:r>
-              <a:rPr kumimoji="0" lang="en-US" smtClean="0"/>
+              <a:rPr kumimoji="0" lang="en-US"/>
               <a:t>Click to edit Master text styles</a:t>
             </a:r>
           </a:p>
@@ -2846,7 +2851,7 @@
           <a:p>
             <a:fld id="{BBDC7C13-7F5F-47A2-AFA0-B020E48F140F}" type="datetimeFigureOut">
               <a:rPr lang="en-US" smtClean="0"/>
-              <a:t>4/2/2022</a:t>
+              <a:t>8/6/2022</a:t>
             </a:fld>
             <a:endParaRPr lang="en-US"/>
           </a:p>
@@ -3146,10 +3151,9 @@
           <a:lstStyle/>
           <a:p>
             <a:r>
-              <a:rPr kumimoji="0" lang="en-US" smtClean="0"/>
+              <a:rPr kumimoji="0" lang="en-US"/>
               <a:t>Click to edit Master title style</a:t>
             </a:r>
-            <a:endParaRPr kumimoji="0" lang="en-US"/>
           </a:p>
         </p:txBody>
       </p:sp>
@@ -3180,38 +3184,37 @@
           <a:p>
             <a:pPr lvl="0" eaLnBrk="1" latinLnBrk="0" hangingPunct="1"/>
             <a:r>
-              <a:rPr kumimoji="0" lang="en-US" smtClean="0"/>
+              <a:rPr kumimoji="0" lang="en-US"/>
               <a:t>Click to edit Master text styles</a:t>
             </a:r>
           </a:p>
           <a:p>
             <a:pPr lvl="1" eaLnBrk="1" latinLnBrk="0" hangingPunct="1"/>
             <a:r>
-              <a:rPr kumimoji="0" lang="en-US" smtClean="0"/>
+              <a:rPr kumimoji="0" lang="en-US"/>
               <a:t>Second level</a:t>
             </a:r>
           </a:p>
           <a:p>
             <a:pPr lvl="2" eaLnBrk="1" latinLnBrk="0" hangingPunct="1"/>
             <a:r>
-              <a:rPr kumimoji="0" lang="en-US" smtClean="0"/>
+              <a:rPr kumimoji="0" lang="en-US"/>
               <a:t>Third level</a:t>
             </a:r>
           </a:p>
           <a:p>
             <a:pPr lvl="3" eaLnBrk="1" latinLnBrk="0" hangingPunct="1"/>
             <a:r>
-              <a:rPr kumimoji="0" lang="en-US" smtClean="0"/>
+              <a:rPr kumimoji="0" lang="en-US"/>
               <a:t>Fourth level</a:t>
             </a:r>
           </a:p>
           <a:p>
             <a:pPr lvl="4" eaLnBrk="1" latinLnBrk="0" hangingPunct="1"/>
             <a:r>
-              <a:rPr kumimoji="0" lang="en-US" smtClean="0"/>
+              <a:rPr kumimoji="0" lang="en-US"/>
               <a:t>Fifth level</a:t>
             </a:r>
-            <a:endParaRPr kumimoji="0" lang="en-US"/>
           </a:p>
         </p:txBody>
       </p:sp>
@@ -3250,7 +3253,7 @@
           <a:p>
             <a:fld id="{BBDC7C13-7F5F-47A2-AFA0-B020E48F140F}" type="datetimeFigureOut">
               <a:rPr lang="en-US" smtClean="0"/>
-              <a:t>4/2/2022</a:t>
+              <a:t>8/6/2022</a:t>
             </a:fld>
             <a:endParaRPr lang="en-US"/>
           </a:p>
@@ -3668,10 +3671,9 @@
           <a:lstStyle/>
           <a:p>
             <a:r>
-              <a:rPr lang="en-US" dirty="0" smtClean="0"/>
+              <a:rPr lang="en-US" dirty="0"/>
               <a:t>Daffodil International Professional Training Institute</a:t>
             </a:r>
-            <a:endParaRPr lang="en-US" dirty="0"/>
           </a:p>
         </p:txBody>
       </p:sp>
@@ -3691,10 +3693,9 @@
           <a:lstStyle/>
           <a:p>
             <a:r>
-              <a:rPr lang="en-US" dirty="0" smtClean="0"/>
+              <a:rPr lang="en-US" dirty="0"/>
               <a:t>Course Outline</a:t>
             </a:r>
-            <a:endParaRPr lang="en-US" dirty="0"/>
           </a:p>
         </p:txBody>
       </p:sp>
@@ -3708,13 +3709,6 @@
   <p:clrMapOvr>
     <a:masterClrMapping/>
   </p:clrMapOvr>
-  <p:timing>
-    <p:tnLst>
-      <p:par>
-        <p:cTn id="1" dur="indefinite" restart="never" nodeType="tmRoot"/>
-      </p:par>
-    </p:tnLst>
-  </p:timing>
 </p:sld>
 </file>
 
@@ -3751,10 +3745,9 @@
           <a:lstStyle/>
           <a:p>
             <a:r>
-              <a:rPr lang="en-US" dirty="0" smtClean="0"/>
+              <a:rPr lang="en-US" dirty="0"/>
               <a:t>Day-9</a:t>
             </a:r>
-            <a:endParaRPr lang="en-US" dirty="0"/>
           </a:p>
         </p:txBody>
       </p:sp>
@@ -3774,56 +3767,55 @@
           <a:lstStyle/>
           <a:p>
             <a:r>
-              <a:rPr lang="en-US" dirty="0" smtClean="0"/>
+              <a:rPr lang="en-US" dirty="0"/>
               <a:t>CSS Position</a:t>
             </a:r>
           </a:p>
           <a:p>
             <a:r>
-              <a:rPr lang="en-US" dirty="0" smtClean="0"/>
+              <a:rPr lang="en-US" dirty="0"/>
               <a:t>Position relative</a:t>
             </a:r>
           </a:p>
           <a:p>
             <a:r>
-              <a:rPr lang="en-US" dirty="0" smtClean="0"/>
+              <a:rPr lang="en-US" dirty="0"/>
               <a:t>Position absolute</a:t>
             </a:r>
           </a:p>
           <a:p>
             <a:r>
-              <a:rPr lang="en-US" dirty="0" smtClean="0"/>
+              <a:rPr lang="en-US" dirty="0"/>
               <a:t>Top, left, right, bottom</a:t>
             </a:r>
           </a:p>
           <a:p>
             <a:r>
-              <a:rPr lang="en-US" dirty="0" smtClean="0"/>
+              <a:rPr lang="en-US" dirty="0"/>
               <a:t>CSS </a:t>
             </a:r>
             <a:r>
-              <a:rPr lang="en-US" dirty="0" err="1" smtClean="0"/>
+              <a:rPr lang="en-US" dirty="0" err="1"/>
               <a:t>calc</a:t>
             </a:r>
             <a:r>
-              <a:rPr lang="en-US" dirty="0" smtClean="0"/>
+              <a:rPr lang="en-US" dirty="0"/>
               <a:t>()</a:t>
             </a:r>
           </a:p>
           <a:p>
             <a:r>
-              <a:rPr lang="en-US" dirty="0" smtClean="0"/>
+              <a:rPr lang="en-US" dirty="0"/>
               <a:t>CSS </a:t>
             </a:r>
             <a:r>
-              <a:rPr lang="en-US" dirty="0" err="1" smtClean="0"/>
+              <a:rPr lang="en-US" dirty="0" err="1"/>
               <a:t>attr</a:t>
             </a:r>
             <a:r>
-              <a:rPr lang="en-US" dirty="0" smtClean="0"/>
+              <a:rPr lang="en-US" dirty="0"/>
               <a:t>()</a:t>
             </a:r>
-            <a:endParaRPr lang="en-US" dirty="0"/>
           </a:p>
         </p:txBody>
       </p:sp>
@@ -3873,10 +3865,9 @@
           <a:lstStyle/>
           <a:p>
             <a:r>
-              <a:rPr lang="en-US" dirty="0" smtClean="0"/>
+              <a:rPr lang="en-US" dirty="0"/>
               <a:t>Day 10</a:t>
             </a:r>
-            <a:endParaRPr lang="en-US" dirty="0"/>
           </a:p>
         </p:txBody>
       </p:sp>
@@ -3896,16 +3887,15 @@
           <a:lstStyle/>
           <a:p>
             <a:r>
-              <a:rPr lang="en-US" dirty="0" smtClean="0"/>
+              <a:rPr lang="en-US" dirty="0"/>
               <a:t>Display flex</a:t>
             </a:r>
           </a:p>
           <a:p>
             <a:r>
-              <a:rPr lang="en-US" dirty="0" smtClean="0"/>
+              <a:rPr lang="en-US" dirty="0"/>
               <a:t>CSS Font Family</a:t>
             </a:r>
-            <a:endParaRPr lang="en-US" dirty="0"/>
           </a:p>
         </p:txBody>
       </p:sp>
@@ -3955,10 +3945,9 @@
           <a:lstStyle/>
           <a:p>
             <a:r>
-              <a:rPr lang="en-US" dirty="0" smtClean="0"/>
+              <a:rPr lang="en-US" dirty="0"/>
               <a:t>Day 11</a:t>
             </a:r>
-            <a:endParaRPr lang="en-US" dirty="0"/>
           </a:p>
         </p:txBody>
       </p:sp>
@@ -3978,22 +3967,21 @@
           <a:lstStyle/>
           <a:p>
             <a:r>
-              <a:rPr lang="en-US" dirty="0" smtClean="0"/>
+              <a:rPr lang="en-US" dirty="0"/>
               <a:t>Display grid</a:t>
             </a:r>
           </a:p>
           <a:p>
             <a:r>
-              <a:rPr lang="en-US" dirty="0" smtClean="0"/>
+              <a:rPr lang="en-US" dirty="0"/>
               <a:t>Favicon image</a:t>
             </a:r>
           </a:p>
           <a:p>
             <a:r>
-              <a:rPr lang="en-US" dirty="0" smtClean="0"/>
+              <a:rPr lang="en-US" dirty="0"/>
               <a:t>Cursor image</a:t>
             </a:r>
-            <a:endParaRPr lang="en-US" dirty="0"/>
           </a:p>
         </p:txBody>
       </p:sp>
@@ -4043,10 +4031,9 @@
           <a:lstStyle/>
           <a:p>
             <a:r>
-              <a:rPr lang="en-US" dirty="0" smtClean="0"/>
+              <a:rPr lang="en-US" dirty="0"/>
               <a:t>Day 12</a:t>
             </a:r>
-            <a:endParaRPr lang="en-US" dirty="0"/>
           </a:p>
         </p:txBody>
       </p:sp>
@@ -4066,13 +4053,13 @@
           <a:lstStyle/>
           <a:p>
             <a:r>
-              <a:rPr lang="en-US" dirty="0" smtClean="0"/>
+              <a:rPr lang="en-US" dirty="0"/>
               <a:t>Media Query</a:t>
             </a:r>
           </a:p>
           <a:p>
             <a:r>
-              <a:rPr lang="en-US" dirty="0" smtClean="0"/>
+              <a:rPr lang="en-US" dirty="0"/>
               <a:t>CSS Animation</a:t>
             </a:r>
           </a:p>
@@ -4127,10 +4114,9 @@
           <a:lstStyle/>
           <a:p>
             <a:r>
-              <a:rPr lang="en-US" dirty="0" smtClean="0"/>
+              <a:rPr lang="en-US" dirty="0"/>
               <a:t>Day 13</a:t>
             </a:r>
-            <a:endParaRPr lang="en-US" dirty="0"/>
           </a:p>
         </p:txBody>
       </p:sp>
@@ -4150,10 +4136,9 @@
           <a:lstStyle/>
           <a:p>
             <a:r>
-              <a:rPr lang="en-US" dirty="0" smtClean="0"/>
+              <a:rPr lang="en-US" dirty="0"/>
               <a:t>Sass</a:t>
             </a:r>
-            <a:endParaRPr lang="en-US" dirty="0"/>
           </a:p>
         </p:txBody>
       </p:sp>
@@ -4203,44 +4188,38 @@
           <a:lstStyle/>
           <a:p>
             <a:r>
-              <a:rPr lang="en-US" dirty="0" smtClean="0"/>
+              <a:rPr lang="en-US" dirty="0"/>
               <a:t>Day 14</a:t>
             </a:r>
+          </a:p>
+        </p:txBody>
+      </p:sp>
+      <p:sp>
+        <p:nvSpPr>
+          <p:cNvPr id="3" name="Content Placeholder 2"/>
+          <p:cNvSpPr>
+            <a:spLocks noGrp="1"/>
+          </p:cNvSpPr>
+          <p:nvPr>
+            <p:ph idx="1"/>
+          </p:nvPr>
+        </p:nvSpPr>
+        <p:spPr/>
+        <p:txBody>
+          <a:bodyPr/>
+          <a:lstStyle/>
+          <a:p>
+            <a:r>
+              <a:rPr lang="en-US" dirty="0" err="1"/>
+              <a:t>cPanel</a:t>
+            </a:r>
             <a:endParaRPr lang="en-US" dirty="0"/>
           </a:p>
-        </p:txBody>
-      </p:sp>
-      <p:sp>
-        <p:nvSpPr>
-          <p:cNvPr id="3" name="Content Placeholder 2"/>
-          <p:cNvSpPr>
-            <a:spLocks noGrp="1"/>
-          </p:cNvSpPr>
-          <p:nvPr>
-            <p:ph idx="1"/>
-          </p:nvPr>
-        </p:nvSpPr>
-        <p:spPr/>
-        <p:txBody>
-          <a:bodyPr/>
-          <a:lstStyle/>
-          <a:p>
-            <a:r>
-              <a:rPr lang="en-US" dirty="0" err="1" smtClean="0"/>
-              <a:t>cPanel</a:t>
-            </a:r>
-            <a:endParaRPr lang="en-US" dirty="0" smtClean="0"/>
-          </a:p>
-          <a:p>
-            <a:r>
-              <a:rPr lang="en-US" dirty="0" smtClean="0"/>
-              <a:t>Font </a:t>
-            </a:r>
-            <a:r>
-              <a:rPr lang="en-US" dirty="0" smtClean="0"/>
-              <a:t>awesome</a:t>
-            </a:r>
-            <a:endParaRPr lang="en-US" dirty="0"/>
+          <a:p>
+            <a:r>
+              <a:rPr lang="en-US" dirty="0"/>
+              <a:t>Font awesome</a:t>
+            </a:r>
           </a:p>
         </p:txBody>
       </p:sp>
@@ -4290,10 +4269,9 @@
           <a:lstStyle/>
           <a:p>
             <a:r>
-              <a:rPr lang="en-US" dirty="0" smtClean="0"/>
+              <a:rPr lang="en-US" dirty="0"/>
               <a:t>Day 15</a:t>
             </a:r>
-            <a:endParaRPr lang="en-US" dirty="0"/>
           </a:p>
         </p:txBody>
       </p:sp>
@@ -4313,10 +4291,9 @@
           <a:lstStyle/>
           <a:p>
             <a:r>
-              <a:rPr lang="en-US" dirty="0" smtClean="0"/>
+              <a:rPr lang="en-US" dirty="0"/>
               <a:t>PSD to HTML</a:t>
             </a:r>
-            <a:endParaRPr lang="en-US" dirty="0"/>
           </a:p>
         </p:txBody>
       </p:sp>
@@ -4366,10 +4343,9 @@
           <a:lstStyle/>
           <a:p>
             <a:r>
-              <a:rPr lang="en-US" dirty="0" smtClean="0"/>
+              <a:rPr lang="en-US" dirty="0"/>
               <a:t>Day 16</a:t>
             </a:r>
-            <a:endParaRPr lang="en-US" dirty="0"/>
           </a:p>
         </p:txBody>
       </p:sp>
@@ -4389,10 +4365,9 @@
           <a:lstStyle/>
           <a:p>
             <a:r>
-              <a:rPr lang="en-US" dirty="0" smtClean="0"/>
+              <a:rPr lang="en-US" dirty="0"/>
               <a:t>PSD to HTML</a:t>
             </a:r>
-            <a:endParaRPr lang="en-US" dirty="0"/>
           </a:p>
         </p:txBody>
       </p:sp>
@@ -4442,10 +4417,9 @@
           <a:lstStyle/>
           <a:p>
             <a:r>
-              <a:rPr lang="en-US" dirty="0" smtClean="0"/>
+              <a:rPr lang="en-US" dirty="0"/>
               <a:t>Day 17</a:t>
             </a:r>
-            <a:endParaRPr lang="en-US" dirty="0"/>
           </a:p>
         </p:txBody>
       </p:sp>
@@ -4465,16 +4439,15 @@
           <a:lstStyle/>
           <a:p>
             <a:r>
-              <a:rPr lang="en-US" dirty="0" smtClean="0"/>
+              <a:rPr lang="en-US" dirty="0"/>
               <a:t>Bootstrap Introduction</a:t>
             </a:r>
           </a:p>
           <a:p>
             <a:r>
-              <a:rPr lang="en-US" dirty="0" smtClean="0"/>
+              <a:rPr lang="en-US" dirty="0"/>
               <a:t>Bootstrap common class name</a:t>
             </a:r>
-            <a:endParaRPr lang="en-US" dirty="0"/>
           </a:p>
         </p:txBody>
       </p:sp>
@@ -4524,10 +4497,9 @@
           <a:lstStyle/>
           <a:p>
             <a:r>
-              <a:rPr lang="en-US" dirty="0" smtClean="0"/>
+              <a:rPr lang="en-US" dirty="0"/>
               <a:t>Day 18</a:t>
             </a:r>
-            <a:endParaRPr lang="en-US" dirty="0"/>
           </a:p>
         </p:txBody>
       </p:sp>
@@ -4547,16 +4519,15 @@
           <a:lstStyle/>
           <a:p>
             <a:r>
-              <a:rPr lang="en-US" dirty="0" smtClean="0"/>
+              <a:rPr lang="en-US" dirty="0"/>
               <a:t>Bootstrap (container, row, col)</a:t>
             </a:r>
           </a:p>
           <a:p>
             <a:r>
-              <a:rPr lang="en-US" dirty="0" smtClean="0"/>
+              <a:rPr lang="en-US" dirty="0"/>
               <a:t>A common structure</a:t>
             </a:r>
-            <a:endParaRPr lang="en-US" dirty="0"/>
           </a:p>
         </p:txBody>
       </p:sp>
@@ -4606,10 +4577,9 @@
           <a:lstStyle/>
           <a:p>
             <a:r>
-              <a:rPr lang="en-US" dirty="0" smtClean="0"/>
+              <a:rPr lang="en-US" dirty="0"/>
               <a:t>Day 1</a:t>
             </a:r>
-            <a:endParaRPr lang="en-US" dirty="0"/>
           </a:p>
         </p:txBody>
       </p:sp>
@@ -4631,53 +4601,53 @@
           <a:lstStyle/>
           <a:p>
             <a:r>
-              <a:rPr lang="en-US" dirty="0" smtClean="0"/>
+              <a:rPr lang="en-US" dirty="0"/>
               <a:t>Introduction</a:t>
             </a:r>
           </a:p>
           <a:p>
             <a:r>
-              <a:rPr lang="en-US" dirty="0" smtClean="0"/>
+              <a:rPr lang="en-US" dirty="0"/>
               <a:t>Google Classroom</a:t>
             </a:r>
           </a:p>
           <a:p>
             <a:r>
-              <a:rPr lang="en-US" dirty="0" smtClean="0"/>
+              <a:rPr lang="en-US" dirty="0"/>
               <a:t>Google Calendar</a:t>
             </a:r>
           </a:p>
           <a:p>
             <a:r>
-              <a:rPr lang="en-US" dirty="0" smtClean="0"/>
+              <a:rPr lang="en-US" dirty="0"/>
               <a:t>Google Meet</a:t>
             </a:r>
           </a:p>
           <a:p>
             <a:r>
-              <a:rPr lang="en-US" dirty="0" smtClean="0"/>
+              <a:rPr lang="en-US" dirty="0"/>
               <a:t>Messenger Group</a:t>
             </a:r>
           </a:p>
           <a:p>
             <a:r>
-              <a:rPr lang="en-US" dirty="0" smtClean="0"/>
+              <a:rPr lang="en-US" dirty="0"/>
               <a:t>Course Outline</a:t>
             </a:r>
           </a:p>
           <a:p>
             <a:r>
-              <a:rPr lang="en-US" dirty="0" smtClean="0"/>
+              <a:rPr lang="en-US" dirty="0"/>
               <a:t>Domain Hosting</a:t>
             </a:r>
           </a:p>
           <a:p>
             <a:r>
-              <a:rPr lang="en-US" dirty="0" err="1" smtClean="0"/>
+              <a:rPr lang="en-US" dirty="0" err="1"/>
               <a:t>Vs</a:t>
             </a:r>
             <a:r>
-              <a:rPr lang="en-US" dirty="0" smtClean="0"/>
+              <a:rPr lang="en-US" dirty="0"/>
               <a:t> Code Installation</a:t>
             </a:r>
           </a:p>
@@ -4696,13 +4666,6 @@
   <p:clrMapOvr>
     <a:masterClrMapping/>
   </p:clrMapOvr>
-  <p:timing>
-    <p:tnLst>
-      <p:par>
-        <p:cTn id="1" dur="indefinite" restart="never" nodeType="tmRoot"/>
-      </p:par>
-    </p:tnLst>
-  </p:timing>
 </p:sld>
 </file>
 
@@ -4739,45 +4702,44 @@
           <a:lstStyle/>
           <a:p>
             <a:r>
-              <a:rPr lang="en-US" dirty="0" smtClean="0"/>
+              <a:rPr lang="en-US" dirty="0"/>
               <a:t>Day 19</a:t>
             </a:r>
+          </a:p>
+        </p:txBody>
+      </p:sp>
+      <p:sp>
+        <p:nvSpPr>
+          <p:cNvPr id="3" name="Content Placeholder 2"/>
+          <p:cNvSpPr>
+            <a:spLocks noGrp="1"/>
+          </p:cNvSpPr>
+          <p:nvPr>
+            <p:ph idx="1"/>
+          </p:nvPr>
+        </p:nvSpPr>
+        <p:spPr/>
+        <p:txBody>
+          <a:bodyPr/>
+          <a:lstStyle/>
+          <a:p>
+            <a:r>
+              <a:rPr lang="en-US" dirty="0"/>
+              <a:t>Bootstrap </a:t>
+            </a:r>
+            <a:r>
+              <a:rPr lang="en-US" dirty="0" err="1"/>
+              <a:t>Navbar</a:t>
+            </a:r>
             <a:endParaRPr lang="en-US" dirty="0"/>
           </a:p>
-        </p:txBody>
-      </p:sp>
-      <p:sp>
-        <p:nvSpPr>
-          <p:cNvPr id="3" name="Content Placeholder 2"/>
-          <p:cNvSpPr>
-            <a:spLocks noGrp="1"/>
-          </p:cNvSpPr>
-          <p:nvPr>
-            <p:ph idx="1"/>
-          </p:nvPr>
-        </p:nvSpPr>
-        <p:spPr/>
-        <p:txBody>
-          <a:bodyPr/>
-          <a:lstStyle/>
-          <a:p>
-            <a:r>
-              <a:rPr lang="en-US" dirty="0" smtClean="0"/>
+          <a:p>
+            <a:r>
+              <a:rPr lang="en-US" dirty="0"/>
               <a:t>Bootstrap </a:t>
             </a:r>
             <a:r>
-              <a:rPr lang="en-US" dirty="0" err="1" smtClean="0"/>
-              <a:t>Navbar</a:t>
-            </a:r>
-            <a:endParaRPr lang="en-US" dirty="0" smtClean="0"/>
-          </a:p>
-          <a:p>
-            <a:r>
-              <a:rPr lang="en-US" dirty="0" smtClean="0"/>
-              <a:t>Bootstrap </a:t>
-            </a:r>
-            <a:r>
-              <a:rPr lang="en-US" dirty="0" err="1" smtClean="0"/>
+              <a:rPr lang="en-US" dirty="0" err="1"/>
               <a:t>Carasol</a:t>
             </a:r>
             <a:endParaRPr lang="en-US" dirty="0"/>
@@ -4830,10 +4792,9 @@
           <a:lstStyle/>
           <a:p>
             <a:r>
-              <a:rPr lang="en-US" dirty="0" smtClean="0"/>
+              <a:rPr lang="en-US" dirty="0"/>
               <a:t>Day 20</a:t>
             </a:r>
-            <a:endParaRPr lang="en-US" dirty="0"/>
           </a:p>
         </p:txBody>
       </p:sp>
@@ -4853,10 +4814,9 @@
           <a:lstStyle/>
           <a:p>
             <a:r>
-              <a:rPr lang="en-US" dirty="0" smtClean="0"/>
+              <a:rPr lang="en-US" dirty="0"/>
               <a:t>Other Bootstrap things</a:t>
             </a:r>
-            <a:endParaRPr lang="en-US" dirty="0"/>
           </a:p>
         </p:txBody>
       </p:sp>
@@ -4906,10 +4866,9 @@
           <a:lstStyle/>
           <a:p>
             <a:r>
-              <a:rPr lang="en-US" dirty="0" smtClean="0"/>
+              <a:rPr lang="en-US" dirty="0"/>
               <a:t>Day 21</a:t>
             </a:r>
-            <a:endParaRPr lang="en-US" dirty="0"/>
           </a:p>
         </p:txBody>
       </p:sp>
@@ -4929,10 +4888,9 @@
           <a:lstStyle/>
           <a:p>
             <a:r>
-              <a:rPr lang="en-US" dirty="0" smtClean="0"/>
+              <a:rPr lang="en-US" dirty="0"/>
               <a:t>PSD to Bootstrap</a:t>
             </a:r>
-            <a:endParaRPr lang="en-US" dirty="0"/>
           </a:p>
         </p:txBody>
       </p:sp>
@@ -4982,10 +4940,9 @@
           <a:lstStyle/>
           <a:p>
             <a:r>
-              <a:rPr lang="en-US" dirty="0" smtClean="0"/>
+              <a:rPr lang="en-US" dirty="0"/>
               <a:t>Day 22</a:t>
             </a:r>
-            <a:endParaRPr lang="en-US" dirty="0"/>
           </a:p>
         </p:txBody>
       </p:sp>
@@ -5005,10 +4962,9 @@
           <a:lstStyle/>
           <a:p>
             <a:r>
-              <a:rPr lang="en-US" dirty="0" smtClean="0"/>
+              <a:rPr lang="en-US" dirty="0"/>
               <a:t>PSD to Bootstrap</a:t>
             </a:r>
-            <a:endParaRPr lang="en-US" dirty="0"/>
           </a:p>
         </p:txBody>
       </p:sp>
@@ -5058,62 +5014,60 @@
           <a:lstStyle/>
           <a:p>
             <a:r>
-              <a:rPr lang="en-US" dirty="0" smtClean="0"/>
+              <a:rPr lang="en-US" dirty="0"/>
               <a:t>Day 23</a:t>
             </a:r>
+          </a:p>
+        </p:txBody>
+      </p:sp>
+      <p:sp>
+        <p:nvSpPr>
+          <p:cNvPr id="3" name="Content Placeholder 2"/>
+          <p:cNvSpPr>
+            <a:spLocks noGrp="1"/>
+          </p:cNvSpPr>
+          <p:nvPr>
+            <p:ph idx="1"/>
+          </p:nvPr>
+        </p:nvSpPr>
+        <p:spPr/>
+        <p:txBody>
+          <a:bodyPr/>
+          <a:lstStyle/>
+          <a:p>
+            <a:r>
+              <a:rPr lang="en-US" dirty="0"/>
+              <a:t>Introduction of JavaScript</a:t>
+            </a:r>
+          </a:p>
+          <a:p>
+            <a:r>
+              <a:rPr lang="en-US" dirty="0"/>
+              <a:t>Install </a:t>
+            </a:r>
+            <a:r>
+              <a:rPr lang="en-US" dirty="0" err="1"/>
+              <a:t>NodeJS</a:t>
+            </a:r>
             <a:endParaRPr lang="en-US" dirty="0"/>
           </a:p>
-        </p:txBody>
-      </p:sp>
-      <p:sp>
-        <p:nvSpPr>
-          <p:cNvPr id="3" name="Content Placeholder 2"/>
-          <p:cNvSpPr>
-            <a:spLocks noGrp="1"/>
-          </p:cNvSpPr>
-          <p:nvPr>
-            <p:ph idx="1"/>
-          </p:nvPr>
-        </p:nvSpPr>
-        <p:spPr/>
-        <p:txBody>
-          <a:bodyPr/>
-          <a:lstStyle/>
-          <a:p>
-            <a:r>
-              <a:rPr lang="en-US" dirty="0" smtClean="0"/>
-              <a:t>Introduction of JavaScript</a:t>
-            </a:r>
-          </a:p>
-          <a:p>
-            <a:r>
-              <a:rPr lang="en-US" dirty="0" smtClean="0"/>
-              <a:t>Install </a:t>
-            </a:r>
-            <a:r>
-              <a:rPr lang="en-US" dirty="0" err="1" smtClean="0"/>
-              <a:t>NodeJS</a:t>
-            </a:r>
-            <a:endParaRPr lang="en-US" dirty="0" smtClean="0"/>
-          </a:p>
-          <a:p>
-            <a:r>
-              <a:rPr lang="en-US" dirty="0" smtClean="0"/>
+          <a:p>
+            <a:r>
+              <a:rPr lang="en-US" dirty="0"/>
               <a:t>Console.log()</a:t>
             </a:r>
           </a:p>
           <a:p>
             <a:r>
-              <a:rPr lang="en-US" dirty="0" smtClean="0"/>
+              <a:rPr lang="en-US" dirty="0"/>
               <a:t>String</a:t>
             </a:r>
           </a:p>
           <a:p>
             <a:r>
-              <a:rPr lang="en-US" dirty="0" smtClean="0"/>
+              <a:rPr lang="en-US" dirty="0"/>
               <a:t>Data types</a:t>
             </a:r>
-            <a:endParaRPr lang="en-US" dirty="0"/>
           </a:p>
         </p:txBody>
       </p:sp>
@@ -5163,10 +5117,9 @@
           <a:lstStyle/>
           <a:p>
             <a:r>
-              <a:rPr lang="en-US" dirty="0" smtClean="0"/>
+              <a:rPr lang="en-US" dirty="0"/>
               <a:t>Day 24</a:t>
             </a:r>
-            <a:endParaRPr lang="en-US" dirty="0"/>
           </a:p>
         </p:txBody>
       </p:sp>
@@ -5186,16 +5139,21 @@
           <a:lstStyle/>
           <a:p>
             <a:r>
-              <a:rPr lang="en-US" dirty="0" smtClean="0"/>
+              <a:rPr lang="en-US" dirty="0"/>
+              <a:t>Variable</a:t>
+            </a:r>
+          </a:p>
+          <a:p>
+            <a:r>
+              <a:rPr lang="en-US" dirty="0"/>
               <a:t>Operators</a:t>
             </a:r>
           </a:p>
           <a:p>
             <a:r>
-              <a:rPr lang="en-US" dirty="0" smtClean="0"/>
+              <a:rPr lang="en-US" dirty="0"/>
               <a:t>condition</a:t>
             </a:r>
-            <a:endParaRPr lang="en-US" dirty="0"/>
           </a:p>
         </p:txBody>
       </p:sp>
@@ -5245,10 +5203,9 @@
           <a:lstStyle/>
           <a:p>
             <a:r>
-              <a:rPr lang="en-US" dirty="0" smtClean="0"/>
+              <a:rPr lang="en-US" dirty="0"/>
               <a:t>Day 25</a:t>
             </a:r>
-            <a:endParaRPr lang="en-US" dirty="0"/>
           </a:p>
         </p:txBody>
       </p:sp>
@@ -5268,32 +5225,31 @@
           <a:lstStyle/>
           <a:p>
             <a:r>
-              <a:rPr lang="en-US" dirty="0" smtClean="0"/>
+              <a:rPr lang="en-US" dirty="0"/>
               <a:t>Function</a:t>
             </a:r>
           </a:p>
           <a:p>
             <a:r>
-              <a:rPr lang="en-US" dirty="0" err="1" smtClean="0"/>
+              <a:rPr lang="en-US" dirty="0" err="1"/>
               <a:t>Peramiters</a:t>
             </a:r>
             <a:r>
-              <a:rPr lang="en-US" dirty="0" smtClean="0"/>
+              <a:rPr lang="en-US" dirty="0"/>
               <a:t>/arguments</a:t>
             </a:r>
           </a:p>
           <a:p>
             <a:r>
-              <a:rPr lang="en-US" dirty="0" smtClean="0"/>
+              <a:rPr lang="en-US" dirty="0"/>
               <a:t>Loop</a:t>
             </a:r>
           </a:p>
           <a:p>
             <a:r>
-              <a:rPr lang="en-US" dirty="0" smtClean="0"/>
+              <a:rPr lang="en-US" dirty="0"/>
               <a:t>array</a:t>
             </a:r>
-            <a:endParaRPr lang="en-US" dirty="0"/>
           </a:p>
         </p:txBody>
       </p:sp>
@@ -5343,10 +5299,9 @@
           <a:lstStyle/>
           <a:p>
             <a:r>
-              <a:rPr lang="en-US" dirty="0" smtClean="0"/>
+              <a:rPr lang="en-US" dirty="0"/>
               <a:t>Day 26</a:t>
             </a:r>
-            <a:endParaRPr lang="en-US" dirty="0"/>
           </a:p>
         </p:txBody>
       </p:sp>
@@ -5366,22 +5321,21 @@
           <a:lstStyle/>
           <a:p>
             <a:r>
-              <a:rPr lang="en-US" dirty="0" smtClean="0"/>
+              <a:rPr lang="en-US" dirty="0"/>
               <a:t>JS outputs</a:t>
             </a:r>
           </a:p>
           <a:p>
             <a:r>
-              <a:rPr lang="en-US" dirty="0" smtClean="0"/>
+              <a:rPr lang="en-US" dirty="0"/>
               <a:t>JS Selectors</a:t>
             </a:r>
           </a:p>
           <a:p>
             <a:r>
-              <a:rPr lang="en-US" dirty="0" smtClean="0"/>
+              <a:rPr lang="en-US" dirty="0"/>
               <a:t>JS Events</a:t>
             </a:r>
-            <a:endParaRPr lang="en-US" dirty="0"/>
           </a:p>
         </p:txBody>
       </p:sp>
@@ -5431,10 +5385,9 @@
           <a:lstStyle/>
           <a:p>
             <a:r>
-              <a:rPr lang="en-US" dirty="0" smtClean="0"/>
+              <a:rPr lang="en-US" dirty="0"/>
               <a:t>Day 27</a:t>
             </a:r>
-            <a:endParaRPr lang="en-US" dirty="0"/>
           </a:p>
         </p:txBody>
       </p:sp>
@@ -5454,7 +5407,7 @@
           <a:lstStyle/>
           <a:p>
             <a:r>
-              <a:rPr lang="en-US" dirty="0" smtClean="0"/>
+              <a:rPr lang="en-US" dirty="0"/>
               <a:t>JS Date/Time</a:t>
             </a:r>
           </a:p>
@@ -5506,10 +5459,9 @@
           <a:lstStyle/>
           <a:p>
             <a:r>
-              <a:rPr lang="en-US" dirty="0" smtClean="0"/>
+              <a:rPr lang="en-US" dirty="0"/>
               <a:t>Day 28</a:t>
             </a:r>
-            <a:endParaRPr lang="en-US" dirty="0"/>
           </a:p>
         </p:txBody>
       </p:sp>
@@ -5529,7 +5481,7 @@
           <a:lstStyle/>
           <a:p>
             <a:r>
-              <a:rPr lang="en-US" dirty="0" smtClean="0"/>
+              <a:rPr lang="en-US" dirty="0"/>
               <a:t>JS accordions </a:t>
             </a:r>
           </a:p>
@@ -5581,10 +5533,9 @@
           <a:lstStyle/>
           <a:p>
             <a:r>
-              <a:rPr lang="en-US" dirty="0" smtClean="0"/>
+              <a:rPr lang="en-US" dirty="0"/>
               <a:t>Day 2</a:t>
             </a:r>
-            <a:endParaRPr lang="en-US" dirty="0"/>
           </a:p>
         </p:txBody>
       </p:sp>
@@ -5606,63 +5557,63 @@
           <a:lstStyle/>
           <a:p>
             <a:r>
-              <a:rPr lang="en-US" dirty="0" err="1" smtClean="0"/>
+              <a:rPr lang="en-US" dirty="0" err="1"/>
               <a:t>Vscode</a:t>
             </a:r>
             <a:r>
-              <a:rPr lang="en-US" dirty="0" smtClean="0"/>
+              <a:rPr lang="en-US" dirty="0"/>
               <a:t> Extension </a:t>
             </a:r>
           </a:p>
           <a:p>
             <a:r>
-              <a:rPr lang="en-US" dirty="0" smtClean="0"/>
+              <a:rPr lang="en-US" dirty="0"/>
               <a:t>HTML Introduction</a:t>
             </a:r>
           </a:p>
           <a:p>
             <a:r>
-              <a:rPr lang="en-US" dirty="0" smtClean="0"/>
+              <a:rPr lang="en-US" dirty="0"/>
               <a:t>HTML Tag</a:t>
             </a:r>
           </a:p>
           <a:p>
             <a:r>
-              <a:rPr lang="en-US" dirty="0" smtClean="0"/>
+              <a:rPr lang="en-US" dirty="0"/>
               <a:t>HTML Attributes</a:t>
             </a:r>
           </a:p>
           <a:p>
             <a:r>
-              <a:rPr lang="en-US" dirty="0" smtClean="0"/>
+              <a:rPr lang="en-US" dirty="0"/>
               <a:t>Basic Template</a:t>
             </a:r>
           </a:p>
           <a:p>
             <a:r>
-              <a:rPr lang="en-US" dirty="0" smtClean="0"/>
+              <a:rPr lang="en-US" dirty="0"/>
               <a:t>h1-h6</a:t>
             </a:r>
           </a:p>
           <a:p>
             <a:r>
-              <a:rPr lang="en-US" dirty="0" smtClean="0"/>
+              <a:rPr lang="en-US" dirty="0"/>
               <a:t>b, i, u, p</a:t>
             </a:r>
           </a:p>
           <a:p>
             <a:r>
-              <a:rPr lang="en-US" dirty="0" smtClean="0"/>
+              <a:rPr lang="en-US" dirty="0"/>
               <a:t>Demo text</a:t>
             </a:r>
           </a:p>
           <a:p>
             <a:r>
-              <a:rPr lang="en-US" dirty="0" smtClean="0"/>
+              <a:rPr lang="en-US" dirty="0"/>
               <a:t>Anchor tag</a:t>
             </a:r>
             <a:br>
-              <a:rPr lang="en-US" dirty="0" smtClean="0"/>
+              <a:rPr lang="en-US" dirty="0"/>
             </a:br>
             <a:endParaRPr lang="en-US" dirty="0"/>
           </a:p>
@@ -5678,13 +5629,6 @@
   <p:clrMapOvr>
     <a:masterClrMapping/>
   </p:clrMapOvr>
-  <p:timing>
-    <p:tnLst>
-      <p:par>
-        <p:cTn id="1" dur="indefinite" restart="never" nodeType="tmRoot"/>
-      </p:par>
-    </p:tnLst>
-  </p:timing>
 </p:sld>
 </file>
 
@@ -5721,10 +5665,9 @@
           <a:lstStyle/>
           <a:p>
             <a:r>
-              <a:rPr lang="en-US" dirty="0" smtClean="0"/>
+              <a:rPr lang="en-US" dirty="0"/>
               <a:t>Day 29</a:t>
             </a:r>
-            <a:endParaRPr lang="en-US" dirty="0"/>
           </a:p>
         </p:txBody>
       </p:sp>
@@ -5744,10 +5687,9 @@
           <a:lstStyle/>
           <a:p>
             <a:r>
-              <a:rPr lang="en-US" dirty="0" smtClean="0"/>
+              <a:rPr lang="en-US" dirty="0"/>
               <a:t>JS Tabs</a:t>
             </a:r>
-            <a:endParaRPr lang="en-US" dirty="0"/>
           </a:p>
         </p:txBody>
       </p:sp>
@@ -5797,10 +5739,9 @@
           <a:lstStyle/>
           <a:p>
             <a:r>
-              <a:rPr lang="en-US" dirty="0" smtClean="0"/>
+              <a:rPr lang="en-US" dirty="0"/>
               <a:t>Day 30</a:t>
             </a:r>
-            <a:endParaRPr lang="en-US" dirty="0"/>
           </a:p>
         </p:txBody>
       </p:sp>
@@ -5820,10 +5761,9 @@
           <a:lstStyle/>
           <a:p>
             <a:r>
-              <a:rPr lang="en-US" dirty="0" smtClean="0"/>
+              <a:rPr lang="en-US" dirty="0"/>
               <a:t>JS Slider</a:t>
             </a:r>
-            <a:endParaRPr lang="en-US" dirty="0"/>
           </a:p>
         </p:txBody>
       </p:sp>
@@ -5873,40 +5813,39 @@
           <a:lstStyle/>
           <a:p>
             <a:r>
-              <a:rPr lang="en-US" dirty="0" smtClean="0"/>
+              <a:rPr lang="en-US" dirty="0"/>
               <a:t>Day 31</a:t>
             </a:r>
+          </a:p>
+        </p:txBody>
+      </p:sp>
+      <p:sp>
+        <p:nvSpPr>
+          <p:cNvPr id="3" name="Content Placeholder 2"/>
+          <p:cNvSpPr>
+            <a:spLocks noGrp="1"/>
+          </p:cNvSpPr>
+          <p:nvPr>
+            <p:ph idx="1"/>
+          </p:nvPr>
+        </p:nvSpPr>
+        <p:spPr/>
+        <p:txBody>
+          <a:bodyPr/>
+          <a:lstStyle/>
+          <a:p>
+            <a:r>
+              <a:rPr lang="en-US" dirty="0" err="1"/>
+              <a:t>jQuery</a:t>
+            </a:r>
             <a:endParaRPr lang="en-US" dirty="0"/>
           </a:p>
-        </p:txBody>
-      </p:sp>
-      <p:sp>
-        <p:nvSpPr>
-          <p:cNvPr id="3" name="Content Placeholder 2"/>
-          <p:cNvSpPr>
-            <a:spLocks noGrp="1"/>
-          </p:cNvSpPr>
-          <p:nvPr>
-            <p:ph idx="1"/>
-          </p:nvPr>
-        </p:nvSpPr>
-        <p:spPr/>
-        <p:txBody>
-          <a:bodyPr/>
-          <a:lstStyle/>
-          <a:p>
-            <a:r>
-              <a:rPr lang="en-US" dirty="0" err="1" smtClean="0"/>
-              <a:t>jQuery</a:t>
-            </a:r>
-            <a:endParaRPr lang="en-US" dirty="0" smtClean="0"/>
-          </a:p>
-          <a:p>
-            <a:r>
-              <a:rPr lang="en-US" dirty="0" err="1" smtClean="0"/>
+          <a:p>
+            <a:r>
+              <a:rPr lang="en-US" dirty="0" err="1"/>
               <a:t>Syntext</a:t>
             </a:r>
-            <a:endParaRPr lang="en-US" dirty="0" smtClean="0"/>
+            <a:endParaRPr lang="en-US" dirty="0"/>
           </a:p>
           <a:p>
             <a:endParaRPr lang="en-US" dirty="0"/>
@@ -5959,10 +5898,9 @@
           <a:lstStyle/>
           <a:p>
             <a:r>
-              <a:rPr lang="en-US" dirty="0" smtClean="0"/>
+              <a:rPr lang="en-US" dirty="0"/>
               <a:t>Day 32</a:t>
             </a:r>
-            <a:endParaRPr lang="en-US" dirty="0"/>
           </a:p>
         </p:txBody>
       </p:sp>
@@ -5982,14 +5920,13 @@
           <a:lstStyle/>
           <a:p>
             <a:r>
-              <a:rPr lang="en-US" dirty="0" err="1" smtClean="0"/>
+              <a:rPr lang="en-US" dirty="0" err="1"/>
               <a:t>jQuery</a:t>
             </a:r>
             <a:r>
-              <a:rPr lang="en-US" dirty="0" smtClean="0"/>
+              <a:rPr lang="en-US" dirty="0"/>
               <a:t> Plugins</a:t>
             </a:r>
-            <a:endParaRPr lang="en-US" dirty="0"/>
           </a:p>
         </p:txBody>
       </p:sp>
@@ -6039,10 +5976,9 @@
           <a:lstStyle/>
           <a:p>
             <a:r>
-              <a:rPr lang="en-US" dirty="0" smtClean="0"/>
+              <a:rPr lang="en-US" dirty="0"/>
               <a:t>Day 33</a:t>
             </a:r>
-            <a:endParaRPr lang="en-US" dirty="0"/>
           </a:p>
         </p:txBody>
       </p:sp>
@@ -6062,7 +5998,7 @@
           <a:lstStyle/>
           <a:p>
             <a:r>
-              <a:rPr lang="en-US" dirty="0" err="1" smtClean="0"/>
+              <a:rPr lang="en-US" dirty="0" err="1"/>
               <a:t>ReactJS</a:t>
             </a:r>
             <a:endParaRPr lang="en-US" dirty="0"/>
@@ -6115,10 +6051,9 @@
           <a:lstStyle/>
           <a:p>
             <a:r>
-              <a:rPr lang="en-US" dirty="0" smtClean="0"/>
+              <a:rPr lang="en-US" dirty="0"/>
               <a:t>Day 3</a:t>
             </a:r>
-            <a:endParaRPr lang="en-US" dirty="0"/>
           </a:p>
         </p:txBody>
       </p:sp>
@@ -6138,39 +6073,39 @@
           <a:lstStyle/>
           <a:p>
             <a:r>
-              <a:rPr lang="en-US" dirty="0" smtClean="0"/>
+              <a:rPr lang="en-US" dirty="0"/>
               <a:t>Marquee Tag</a:t>
             </a:r>
           </a:p>
           <a:p>
             <a:r>
-              <a:rPr lang="en-US" dirty="0" err="1" smtClean="0"/>
+              <a:rPr lang="en-US" dirty="0" err="1"/>
               <a:t>Iframe</a:t>
             </a:r>
             <a:r>
-              <a:rPr lang="en-US" dirty="0" smtClean="0"/>
+              <a:rPr lang="en-US" dirty="0"/>
               <a:t> Tag</a:t>
             </a:r>
           </a:p>
           <a:p>
             <a:r>
-              <a:rPr lang="en-US" dirty="0" smtClean="0"/>
+              <a:rPr lang="en-US" dirty="0"/>
               <a:t>List</a:t>
             </a:r>
           </a:p>
           <a:p>
             <a:r>
-              <a:rPr lang="en-US" dirty="0" smtClean="0"/>
+              <a:rPr lang="en-US" dirty="0"/>
               <a:t>Video/audio tag</a:t>
             </a:r>
           </a:p>
           <a:p>
             <a:r>
-              <a:rPr lang="en-US" dirty="0" err="1" smtClean="0"/>
+              <a:rPr lang="en-US" dirty="0" err="1"/>
               <a:t>Img</a:t>
             </a:r>
             <a:r>
-              <a:rPr lang="en-US" dirty="0" smtClean="0"/>
+              <a:rPr lang="en-US" dirty="0"/>
               <a:t> tag</a:t>
             </a:r>
           </a:p>
@@ -6192,13 +6127,6 @@
   <p:clrMapOvr>
     <a:masterClrMapping/>
   </p:clrMapOvr>
-  <p:timing>
-    <p:tnLst>
-      <p:par>
-        <p:cTn id="1" dur="indefinite" restart="never" nodeType="tmRoot"/>
-      </p:par>
-    </p:tnLst>
-  </p:timing>
 </p:sld>
 </file>
 
@@ -6235,10 +6163,9 @@
           <a:lstStyle/>
           <a:p>
             <a:r>
-              <a:rPr lang="en-US" dirty="0" smtClean="0"/>
+              <a:rPr lang="en-US" dirty="0"/>
               <a:t>Day 4</a:t>
             </a:r>
-            <a:endParaRPr lang="en-US" dirty="0"/>
           </a:p>
         </p:txBody>
       </p:sp>
@@ -6258,16 +6185,15 @@
           <a:lstStyle/>
           <a:p>
             <a:r>
-              <a:rPr lang="en-US" dirty="0" smtClean="0"/>
+              <a:rPr lang="en-US" dirty="0"/>
               <a:t>Header, aside, main, section, figure, footer, div</a:t>
             </a:r>
           </a:p>
           <a:p>
             <a:r>
-              <a:rPr lang="en-US" dirty="0" smtClean="0"/>
+              <a:rPr lang="en-US" dirty="0"/>
               <a:t>HTML Form</a:t>
             </a:r>
-            <a:endParaRPr lang="en-US" dirty="0"/>
           </a:p>
         </p:txBody>
       </p:sp>
@@ -6281,13 +6207,6 @@
   <p:clrMapOvr>
     <a:masterClrMapping/>
   </p:clrMapOvr>
-  <p:timing>
-    <p:tnLst>
-      <p:par>
-        <p:cTn id="1" dur="indefinite" restart="never" nodeType="tmRoot"/>
-      </p:par>
-    </p:tnLst>
-  </p:timing>
 </p:sld>
 </file>
 
@@ -6324,10 +6243,9 @@
           <a:lstStyle/>
           <a:p>
             <a:r>
-              <a:rPr lang="en-US" dirty="0" smtClean="0"/>
+              <a:rPr lang="en-US" dirty="0"/>
               <a:t>Day 5</a:t>
             </a:r>
-            <a:endParaRPr lang="en-US" dirty="0"/>
           </a:p>
         </p:txBody>
       </p:sp>
@@ -6347,19 +6265,19 @@
           <a:lstStyle/>
           <a:p>
             <a:r>
-              <a:rPr lang="en-US" dirty="0" smtClean="0"/>
+              <a:rPr lang="en-US" dirty="0"/>
               <a:t>HTML Table</a:t>
             </a:r>
           </a:p>
           <a:p>
             <a:r>
-              <a:rPr lang="en-US" dirty="0" smtClean="0"/>
+              <a:rPr lang="en-US" dirty="0"/>
               <a:t>A HTML FORM inside a HTML Table</a:t>
             </a:r>
           </a:p>
           <a:p>
             <a:r>
-              <a:rPr lang="en-US" dirty="0" smtClean="0"/>
+              <a:rPr lang="en-US" dirty="0"/>
               <a:t>A one page website using only HTML</a:t>
             </a:r>
           </a:p>
@@ -6375,13 +6293,6 @@
   <p:clrMapOvr>
     <a:masterClrMapping/>
   </p:clrMapOvr>
-  <p:timing>
-    <p:tnLst>
-      <p:par>
-        <p:cTn id="1" dur="indefinite" restart="never" nodeType="tmRoot"/>
-      </p:par>
-    </p:tnLst>
-  </p:timing>
 </p:sld>
 </file>
 
@@ -6418,10 +6329,9 @@
           <a:lstStyle/>
           <a:p>
             <a:r>
-              <a:rPr lang="en-US" dirty="0" smtClean="0"/>
+              <a:rPr lang="en-US" dirty="0"/>
               <a:t>Day 6</a:t>
             </a:r>
-            <a:endParaRPr lang="en-US" dirty="0"/>
           </a:p>
         </p:txBody>
       </p:sp>
@@ -6441,38 +6351,33 @@
           <a:lstStyle/>
           <a:p>
             <a:r>
-              <a:rPr lang="en-US" dirty="0" smtClean="0"/>
+              <a:rPr lang="en-US" dirty="0"/>
               <a:t>CSS Introduction </a:t>
             </a:r>
           </a:p>
           <a:p>
             <a:r>
-              <a:rPr lang="en-US" dirty="0" smtClean="0"/>
+              <a:rPr lang="en-US" dirty="0"/>
               <a:t>Inline CSS, Internal CSS, External CSS</a:t>
             </a:r>
           </a:p>
           <a:p>
             <a:r>
-              <a:rPr lang="en-US" dirty="0" smtClean="0"/>
+              <a:rPr lang="en-US" dirty="0"/>
               <a:t>Property : value</a:t>
             </a:r>
           </a:p>
           <a:p>
             <a:r>
-              <a:rPr lang="en-US" dirty="0" smtClean="0"/>
+              <a:rPr lang="en-US" dirty="0"/>
               <a:t>Selector</a:t>
             </a:r>
           </a:p>
           <a:p>
             <a:r>
               <a:rPr lang="en-US" dirty="0"/>
-              <a:t>CSS </a:t>
-            </a:r>
-            <a:r>
-              <a:rPr lang="en-US" dirty="0" smtClean="0"/>
-              <a:t>Comments</a:t>
-            </a:r>
-            <a:endParaRPr lang="en-US" dirty="0"/>
+              <a:t>CSS Comments</a:t>
+            </a:r>
           </a:p>
         </p:txBody>
       </p:sp>
@@ -6522,10 +6427,9 @@
           <a:lstStyle/>
           <a:p>
             <a:r>
-              <a:rPr lang="en-US" dirty="0" smtClean="0"/>
+              <a:rPr lang="en-US" dirty="0"/>
               <a:t>Day 7</a:t>
             </a:r>
-            <a:endParaRPr lang="en-US" dirty="0"/>
           </a:p>
         </p:txBody>
       </p:sp>
@@ -6545,40 +6449,39 @@
           <a:lstStyle/>
           <a:p>
             <a:r>
-              <a:rPr lang="en-US" dirty="0" smtClean="0"/>
+              <a:rPr lang="en-US" dirty="0"/>
               <a:t>CSS Text</a:t>
             </a:r>
           </a:p>
           <a:p>
             <a:r>
-              <a:rPr lang="en-US" dirty="0" smtClean="0"/>
+              <a:rPr lang="en-US" dirty="0"/>
               <a:t>CSS Margin</a:t>
             </a:r>
           </a:p>
           <a:p>
             <a:r>
-              <a:rPr lang="en-US" dirty="0" smtClean="0"/>
+              <a:rPr lang="en-US" dirty="0"/>
               <a:t>CSS Padding</a:t>
             </a:r>
           </a:p>
           <a:p>
             <a:r>
-              <a:rPr lang="en-US" dirty="0" smtClean="0"/>
+              <a:rPr lang="en-US" dirty="0"/>
               <a:t>CSS Border</a:t>
             </a:r>
           </a:p>
           <a:p>
             <a:r>
-              <a:rPr lang="en-US" dirty="0" smtClean="0"/>
+              <a:rPr lang="en-US" dirty="0"/>
               <a:t>Shadow</a:t>
             </a:r>
           </a:p>
           <a:p>
             <a:r>
-              <a:rPr lang="en-US" dirty="0" smtClean="0"/>
+              <a:rPr lang="en-US" dirty="0"/>
               <a:t>CSS Display (inline, block, inline-block)</a:t>
             </a:r>
-            <a:endParaRPr lang="en-US" dirty="0"/>
           </a:p>
         </p:txBody>
       </p:sp>
@@ -6628,10 +6531,9 @@
           <a:lstStyle/>
           <a:p>
             <a:r>
-              <a:rPr lang="en-US" dirty="0" smtClean="0"/>
+              <a:rPr lang="en-US" dirty="0"/>
               <a:t>Day-8</a:t>
             </a:r>
-            <a:endParaRPr lang="en-US" dirty="0"/>
           </a:p>
         </p:txBody>
       </p:sp>
@@ -6651,30 +6553,21 @@
           <a:lstStyle/>
           <a:p>
             <a:r>
-              <a:rPr lang="en-US" dirty="0" smtClean="0"/>
-              <a:t>CSS Color code (RGB, RGBA, #</a:t>
-            </a:r>
-            <a:r>
-              <a:rPr lang="en-US" dirty="0"/>
-              <a:t>HEX values</a:t>
-            </a:r>
-            <a:r>
-              <a:rPr lang="en-US" dirty="0" smtClean="0"/>
-              <a:t>)</a:t>
-            </a:r>
-          </a:p>
-          <a:p>
-            <a:r>
-              <a:rPr lang="en-US" dirty="0" smtClean="0"/>
+              <a:rPr lang="en-US" dirty="0"/>
+              <a:t>CSS Color code (RGB, RGBA, #HEX values)</a:t>
+            </a:r>
+          </a:p>
+          <a:p>
+            <a:r>
+              <a:rPr lang="en-US" dirty="0"/>
               <a:t>CSS Background</a:t>
             </a:r>
           </a:p>
           <a:p>
             <a:r>
-              <a:rPr lang="en-US" dirty="0" smtClean="0"/>
+              <a:rPr lang="en-US" dirty="0"/>
               <a:t>CSS Before/After</a:t>
             </a:r>
-            <a:endParaRPr lang="en-US" dirty="0"/>
           </a:p>
         </p:txBody>
       </p:sp>
